--- a/2024-2025/Wyk/Wyklad5.pptx
+++ b/2024-2025/Wyk/Wyklad5.pptx
@@ -291,7 +291,7 @@
           <a:p>
             <a:fld id="{5113504E-0C99-2340-A5F6-DD6E1A87C372}" type="datetimeFigureOut">
               <a:rPr lang="pl-PL" smtClean="0"/>
-              <a:t>15.07.2024</a:t>
+              <a:t>10.10.2024</a:t>
             </a:fld>
             <a:endParaRPr lang="pl-PL"/>
           </a:p>
@@ -457,7 +457,7 @@
           <a:p>
             <a:fld id="{F78C933E-44E9-2D43-91B0-0D2BEEFA7EB9}" type="datetimeFigureOut">
               <a:rPr lang="pl-PL" smtClean="0"/>
-              <a:t>15.07.2024</a:t>
+              <a:t>10.10.2024</a:t>
             </a:fld>
             <a:endParaRPr lang="pl-PL"/>
           </a:p>
@@ -2641,7 +2641,7 @@
           <a:p>
             <a:fld id="{91017B01-0C30-B241-B19F-621BE4770608}" type="datetimeFigureOut">
               <a:rPr lang="pl-PL" smtClean="0"/>
-              <a:t>15.07.2024</a:t>
+              <a:t>10.10.2024</a:t>
             </a:fld>
             <a:endParaRPr lang="pl-PL"/>
           </a:p>
@@ -2810,7 +2810,7 @@
           <a:p>
             <a:fld id="{91017B01-0C30-B241-B19F-621BE4770608}" type="datetimeFigureOut">
               <a:rPr lang="pl-PL" smtClean="0"/>
-              <a:t>15.07.2024</a:t>
+              <a:t>10.10.2024</a:t>
             </a:fld>
             <a:endParaRPr lang="pl-PL"/>
           </a:p>
@@ -2989,7 +2989,7 @@
           <a:p>
             <a:fld id="{91017B01-0C30-B241-B19F-621BE4770608}" type="datetimeFigureOut">
               <a:rPr lang="pl-PL" smtClean="0"/>
-              <a:t>15.07.2024</a:t>
+              <a:t>10.10.2024</a:t>
             </a:fld>
             <a:endParaRPr lang="pl-PL"/>
           </a:p>
@@ -3158,7 +3158,7 @@
           <a:p>
             <a:fld id="{91017B01-0C30-B241-B19F-621BE4770608}" type="datetimeFigureOut">
               <a:rPr lang="pl-PL" smtClean="0"/>
-              <a:t>15.07.2024</a:t>
+              <a:t>10.10.2024</a:t>
             </a:fld>
             <a:endParaRPr lang="pl-PL"/>
           </a:p>
@@ -3404,7 +3404,7 @@
           <a:p>
             <a:fld id="{91017B01-0C30-B241-B19F-621BE4770608}" type="datetimeFigureOut">
               <a:rPr lang="pl-PL" smtClean="0"/>
-              <a:t>15.07.2024</a:t>
+              <a:t>10.10.2024</a:t>
             </a:fld>
             <a:endParaRPr lang="pl-PL"/>
           </a:p>
@@ -3690,7 +3690,7 @@
           <a:p>
             <a:fld id="{91017B01-0C30-B241-B19F-621BE4770608}" type="datetimeFigureOut">
               <a:rPr lang="pl-PL" smtClean="0"/>
-              <a:t>15.07.2024</a:t>
+              <a:t>10.10.2024</a:t>
             </a:fld>
             <a:endParaRPr lang="pl-PL"/>
           </a:p>
@@ -4110,7 +4110,7 @@
           <a:p>
             <a:fld id="{91017B01-0C30-B241-B19F-621BE4770608}" type="datetimeFigureOut">
               <a:rPr lang="pl-PL" smtClean="0"/>
-              <a:t>15.07.2024</a:t>
+              <a:t>10.10.2024</a:t>
             </a:fld>
             <a:endParaRPr lang="pl-PL"/>
           </a:p>
@@ -4228,7 +4228,7 @@
           <a:p>
             <a:fld id="{91017B01-0C30-B241-B19F-621BE4770608}" type="datetimeFigureOut">
               <a:rPr lang="pl-PL" smtClean="0"/>
-              <a:t>15.07.2024</a:t>
+              <a:t>10.10.2024</a:t>
             </a:fld>
             <a:endParaRPr lang="pl-PL"/>
           </a:p>
@@ -4324,7 +4324,7 @@
           <a:p>
             <a:fld id="{91017B01-0C30-B241-B19F-621BE4770608}" type="datetimeFigureOut">
               <a:rPr lang="pl-PL" smtClean="0"/>
-              <a:t>15.07.2024</a:t>
+              <a:t>10.10.2024</a:t>
             </a:fld>
             <a:endParaRPr lang="pl-PL"/>
           </a:p>
@@ -4601,7 +4601,7 @@
           <a:p>
             <a:fld id="{91017B01-0C30-B241-B19F-621BE4770608}" type="datetimeFigureOut">
               <a:rPr lang="pl-PL" smtClean="0"/>
-              <a:t>15.07.2024</a:t>
+              <a:t>10.10.2024</a:t>
             </a:fld>
             <a:endParaRPr lang="pl-PL"/>
           </a:p>
@@ -4857,7 +4857,7 @@
           <a:p>
             <a:fld id="{91017B01-0C30-B241-B19F-621BE4770608}" type="datetimeFigureOut">
               <a:rPr lang="pl-PL" smtClean="0"/>
-              <a:t>15.07.2024</a:t>
+              <a:t>10.10.2024</a:t>
             </a:fld>
             <a:endParaRPr lang="pl-PL"/>
           </a:p>
@@ -5069,7 +5069,7 @@
           <a:p>
             <a:fld id="{91017B01-0C30-B241-B19F-621BE4770608}" type="datetimeFigureOut">
               <a:rPr lang="pl-PL" smtClean="0"/>
-              <a:t>15.07.2024</a:t>
+              <a:t>10.10.2024</a:t>
             </a:fld>
             <a:endParaRPr lang="pl-PL"/>
           </a:p>
@@ -5562,7 +5562,7 @@
                   <a:schemeClr val="bg1"/>
                 </a:solidFill>
               </a:rPr>
-              <a:t>WYKŁAD 7</a:t>
+              <a:t>WYKŁAD 5</a:t>
             </a:r>
           </a:p>
           <a:p>
